--- a/씨애랑 프로젝트.pptx
+++ b/씨애랑 프로젝트.pptx
@@ -7,6 +7,8 @@
   <p:sldIdLst>
     <p:sldId id="256" r:id="rId2"/>
     <p:sldId id="258" r:id="rId3"/>
+    <p:sldId id="259" r:id="rId4"/>
+    <p:sldId id="260" r:id="rId5"/>
   </p:sldIdLst>
   <p:sldSz cx="12192000" cy="6858000"/>
   <p:notesSz cx="6858000" cy="9144000"/>
@@ -105,6 +107,11 @@
       </a:defRPr>
     </a:lvl9pPr>
   </p:defaultTextStyle>
+  <p:extLst>
+    <p:ext uri="{EFAFB233-063F-42B5-8137-9DF3F51BA10A}">
+      <p15:sldGuideLst xmlns:p15="http://schemas.microsoft.com/office/powerpoint/2012/main"/>
+    </p:ext>
+  </p:extLst>
 </p:presentation>
 </file>
 
@@ -255,7 +262,7 @@
           <a:p>
             <a:fld id="{6AD95BDC-FFCE-4AA4-908C-B31707EC97DF}" type="datetimeFigureOut">
               <a:rPr lang="ko-KR" altLang="en-US" smtClean="0"/>
-              <a:t>2022-09-18</a:t>
+              <a:t>2022-10-30</a:t>
             </a:fld>
             <a:endParaRPr lang="ko-KR" altLang="en-US"/>
           </a:p>
@@ -453,7 +460,7 @@
           <a:p>
             <a:fld id="{6AD95BDC-FFCE-4AA4-908C-B31707EC97DF}" type="datetimeFigureOut">
               <a:rPr lang="ko-KR" altLang="en-US" smtClean="0"/>
-              <a:t>2022-09-18</a:t>
+              <a:t>2022-10-30</a:t>
             </a:fld>
             <a:endParaRPr lang="ko-KR" altLang="en-US"/>
           </a:p>
@@ -661,7 +668,7 @@
           <a:p>
             <a:fld id="{6AD95BDC-FFCE-4AA4-908C-B31707EC97DF}" type="datetimeFigureOut">
               <a:rPr lang="ko-KR" altLang="en-US" smtClean="0"/>
-              <a:t>2022-09-18</a:t>
+              <a:t>2022-10-30</a:t>
             </a:fld>
             <a:endParaRPr lang="ko-KR" altLang="en-US"/>
           </a:p>
@@ -859,7 +866,7 @@
           <a:p>
             <a:fld id="{6AD95BDC-FFCE-4AA4-908C-B31707EC97DF}" type="datetimeFigureOut">
               <a:rPr lang="ko-KR" altLang="en-US" smtClean="0"/>
-              <a:t>2022-09-18</a:t>
+              <a:t>2022-10-30</a:t>
             </a:fld>
             <a:endParaRPr lang="ko-KR" altLang="en-US"/>
           </a:p>
@@ -1134,7 +1141,7 @@
           <a:p>
             <a:fld id="{6AD95BDC-FFCE-4AA4-908C-B31707EC97DF}" type="datetimeFigureOut">
               <a:rPr lang="ko-KR" altLang="en-US" smtClean="0"/>
-              <a:t>2022-09-18</a:t>
+              <a:t>2022-10-30</a:t>
             </a:fld>
             <a:endParaRPr lang="ko-KR" altLang="en-US"/>
           </a:p>
@@ -1399,7 +1406,7 @@
           <a:p>
             <a:fld id="{6AD95BDC-FFCE-4AA4-908C-B31707EC97DF}" type="datetimeFigureOut">
               <a:rPr lang="ko-KR" altLang="en-US" smtClean="0"/>
-              <a:t>2022-09-18</a:t>
+              <a:t>2022-10-30</a:t>
             </a:fld>
             <a:endParaRPr lang="ko-KR" altLang="en-US"/>
           </a:p>
@@ -1811,7 +1818,7 @@
           <a:p>
             <a:fld id="{6AD95BDC-FFCE-4AA4-908C-B31707EC97DF}" type="datetimeFigureOut">
               <a:rPr lang="ko-KR" altLang="en-US" smtClean="0"/>
-              <a:t>2022-09-18</a:t>
+              <a:t>2022-10-30</a:t>
             </a:fld>
             <a:endParaRPr lang="ko-KR" altLang="en-US"/>
           </a:p>
@@ -1952,7 +1959,7 @@
           <a:p>
             <a:fld id="{6AD95BDC-FFCE-4AA4-908C-B31707EC97DF}" type="datetimeFigureOut">
               <a:rPr lang="ko-KR" altLang="en-US" smtClean="0"/>
-              <a:t>2022-09-18</a:t>
+              <a:t>2022-10-30</a:t>
             </a:fld>
             <a:endParaRPr lang="ko-KR" altLang="en-US"/>
           </a:p>
@@ -2065,7 +2072,7 @@
           <a:p>
             <a:fld id="{6AD95BDC-FFCE-4AA4-908C-B31707EC97DF}" type="datetimeFigureOut">
               <a:rPr lang="ko-KR" altLang="en-US" smtClean="0"/>
-              <a:t>2022-09-18</a:t>
+              <a:t>2022-10-30</a:t>
             </a:fld>
             <a:endParaRPr lang="ko-KR" altLang="en-US"/>
           </a:p>
@@ -2376,7 +2383,7 @@
           <a:p>
             <a:fld id="{6AD95BDC-FFCE-4AA4-908C-B31707EC97DF}" type="datetimeFigureOut">
               <a:rPr lang="ko-KR" altLang="en-US" smtClean="0"/>
-              <a:t>2022-09-18</a:t>
+              <a:t>2022-10-30</a:t>
             </a:fld>
             <a:endParaRPr lang="ko-KR" altLang="en-US"/>
           </a:p>
@@ -2664,7 +2671,7 @@
           <a:p>
             <a:fld id="{6AD95BDC-FFCE-4AA4-908C-B31707EC97DF}" type="datetimeFigureOut">
               <a:rPr lang="ko-KR" altLang="en-US" smtClean="0"/>
-              <a:t>2022-09-18</a:t>
+              <a:t>2022-10-30</a:t>
             </a:fld>
             <a:endParaRPr lang="ko-KR" altLang="en-US"/>
           </a:p>
@@ -2905,7 +2912,7 @@
           <a:p>
             <a:fld id="{6AD95BDC-FFCE-4AA4-908C-B31707EC97DF}" type="datetimeFigureOut">
               <a:rPr lang="ko-KR" altLang="en-US" smtClean="0"/>
-              <a:t>2022-09-18</a:t>
+              <a:t>2022-10-30</a:t>
             </a:fld>
             <a:endParaRPr lang="ko-KR" altLang="en-US"/>
           </a:p>
@@ -3356,7 +3363,7 @@
             </a:br>
             <a:r>
               <a:rPr lang="en-US" altLang="ko-KR" dirty="0"/>
-              <a:t>1</a:t>
+              <a:t>2</a:t>
             </a:r>
             <a:r>
               <a:rPr lang="ko-KR" altLang="en-US" dirty="0"/>
@@ -3617,6 +3624,310 @@
     <p:extLst>
       <p:ext uri="{BB962C8B-B14F-4D97-AF65-F5344CB8AC3E}">
         <p14:creationId xmlns:p14="http://schemas.microsoft.com/office/powerpoint/2010/main" val="3115762435"/>
+      </p:ext>
+    </p:extLst>
+  </p:cSld>
+  <p:clrMapOvr>
+    <a:masterClrMapping/>
+  </p:clrMapOvr>
+</p:sld>
+</file>
+
+<file path=ppt/slides/slide3.xml><?xml version="1.0" encoding="utf-8"?>
+<p:sld xmlns:a="http://schemas.openxmlformats.org/drawingml/2006/main" xmlns:r="http://schemas.openxmlformats.org/officeDocument/2006/relationships" xmlns:p="http://schemas.openxmlformats.org/presentationml/2006/main">
+  <p:cSld>
+    <p:spTree>
+      <p:nvGrpSpPr>
+        <p:cNvPr id="1" name=""/>
+        <p:cNvGrpSpPr/>
+        <p:nvPr/>
+      </p:nvGrpSpPr>
+      <p:grpSpPr>
+        <a:xfrm>
+          <a:off x="0" y="0"/>
+          <a:ext cx="0" cy="0"/>
+          <a:chOff x="0" y="0"/>
+          <a:chExt cx="0" cy="0"/>
+        </a:xfrm>
+      </p:grpSpPr>
+      <p:sp>
+        <p:nvSpPr>
+          <p:cNvPr id="2" name="제목 1">
+            <a:extLst>
+              <a:ext uri="{FF2B5EF4-FFF2-40B4-BE49-F238E27FC236}">
+                <a16:creationId xmlns:a16="http://schemas.microsoft.com/office/drawing/2014/main" id="{A834708F-A753-A730-8A04-6C97409A2AEB}"/>
+              </a:ext>
+            </a:extLst>
+          </p:cNvPr>
+          <p:cNvSpPr>
+            <a:spLocks noGrp="1"/>
+          </p:cNvSpPr>
+          <p:nvPr>
+            <p:ph type="title"/>
+          </p:nvPr>
+        </p:nvSpPr>
+        <p:spPr/>
+        <p:txBody>
+          <a:bodyPr/>
+          <a:lstStyle/>
+          <a:p>
+            <a:r>
+              <a:rPr lang="ko-KR" altLang="en-US" dirty="0"/>
+              <a:t>현재 상황</a:t>
+            </a:r>
+          </a:p>
+        </p:txBody>
+      </p:sp>
+      <p:sp>
+        <p:nvSpPr>
+          <p:cNvPr id="3" name="내용 개체 틀 2">
+            <a:extLst>
+              <a:ext uri="{FF2B5EF4-FFF2-40B4-BE49-F238E27FC236}">
+                <a16:creationId xmlns:a16="http://schemas.microsoft.com/office/drawing/2014/main" id="{5D050B4D-CACF-C0DF-AF3D-DD97894C32DC}"/>
+              </a:ext>
+            </a:extLst>
+          </p:cNvPr>
+          <p:cNvSpPr>
+            <a:spLocks noGrp="1"/>
+          </p:cNvSpPr>
+          <p:nvPr>
+            <p:ph idx="1"/>
+          </p:nvPr>
+        </p:nvSpPr>
+        <p:spPr/>
+        <p:txBody>
+          <a:bodyPr/>
+          <a:lstStyle/>
+          <a:p>
+            <a:r>
+              <a:rPr lang="ko-KR" altLang="en-US" dirty="0"/>
+              <a:t>데이터를 읽고 이동수단과 자신이 입력한 위치에 따라</a:t>
+            </a:r>
+            <a:endParaRPr lang="en-US" altLang="ko-KR" dirty="0"/>
+          </a:p>
+          <a:p>
+            <a:pPr marL="0" indent="0">
+              <a:buNone/>
+            </a:pPr>
+            <a:r>
+              <a:rPr lang="en-US" altLang="ko-KR" dirty="0"/>
+              <a:t>  </a:t>
+            </a:r>
+            <a:r>
+              <a:rPr lang="ko-KR" altLang="en-US" dirty="0"/>
+              <a:t>근처의 음식 추천</a:t>
+            </a:r>
+            <a:endParaRPr lang="en-US" altLang="ko-KR" dirty="0"/>
+          </a:p>
+          <a:p>
+            <a:pPr marL="0" indent="0">
+              <a:buNone/>
+            </a:pPr>
+            <a:endParaRPr lang="en-US" altLang="ko-KR" dirty="0"/>
+          </a:p>
+        </p:txBody>
+      </p:sp>
+      <p:pic>
+        <p:nvPicPr>
+          <p:cNvPr id="7" name="그림 6">
+            <a:extLst>
+              <a:ext uri="{FF2B5EF4-FFF2-40B4-BE49-F238E27FC236}">
+                <a16:creationId xmlns:a16="http://schemas.microsoft.com/office/drawing/2014/main" id="{4E255A55-ABEB-22AD-BC4F-6D81D121468B}"/>
+              </a:ext>
+            </a:extLst>
+          </p:cNvPr>
+          <p:cNvPicPr>
+            <a:picLocks noChangeAspect="1"/>
+          </p:cNvPicPr>
+          <p:nvPr/>
+        </p:nvPicPr>
+        <p:blipFill>
+          <a:blip r:embed="rId2"/>
+          <a:stretch>
+            <a:fillRect/>
+          </a:stretch>
+        </p:blipFill>
+        <p:spPr>
+          <a:xfrm>
+            <a:off x="7961361" y="2310063"/>
+            <a:ext cx="4230639" cy="4547937"/>
+          </a:xfrm>
+          <a:prstGeom prst="rect">
+            <a:avLst/>
+          </a:prstGeom>
+        </p:spPr>
+      </p:pic>
+    </p:spTree>
+    <p:extLst>
+      <p:ext uri="{BB962C8B-B14F-4D97-AF65-F5344CB8AC3E}">
+        <p14:creationId xmlns:p14="http://schemas.microsoft.com/office/powerpoint/2010/main" val="886088532"/>
+      </p:ext>
+    </p:extLst>
+  </p:cSld>
+  <p:clrMapOvr>
+    <a:masterClrMapping/>
+  </p:clrMapOvr>
+</p:sld>
+</file>
+
+<file path=ppt/slides/slide4.xml><?xml version="1.0" encoding="utf-8"?>
+<p:sld xmlns:a="http://schemas.openxmlformats.org/drawingml/2006/main" xmlns:r="http://schemas.openxmlformats.org/officeDocument/2006/relationships" xmlns:p="http://schemas.openxmlformats.org/presentationml/2006/main">
+  <p:cSld>
+    <p:spTree>
+      <p:nvGrpSpPr>
+        <p:cNvPr id="1" name=""/>
+        <p:cNvGrpSpPr/>
+        <p:nvPr/>
+      </p:nvGrpSpPr>
+      <p:grpSpPr>
+        <a:xfrm>
+          <a:off x="0" y="0"/>
+          <a:ext cx="0" cy="0"/>
+          <a:chOff x="0" y="0"/>
+          <a:chExt cx="0" cy="0"/>
+        </a:xfrm>
+      </p:grpSpPr>
+      <p:sp>
+        <p:nvSpPr>
+          <p:cNvPr id="2" name="제목 1">
+            <a:extLst>
+              <a:ext uri="{FF2B5EF4-FFF2-40B4-BE49-F238E27FC236}">
+                <a16:creationId xmlns:a16="http://schemas.microsoft.com/office/drawing/2014/main" id="{D212A9BF-5007-1F7A-D787-6865758ED760}"/>
+              </a:ext>
+            </a:extLst>
+          </p:cNvPr>
+          <p:cNvSpPr>
+            <a:spLocks noGrp="1"/>
+          </p:cNvSpPr>
+          <p:nvPr>
+            <p:ph type="title"/>
+          </p:nvPr>
+        </p:nvSpPr>
+        <p:spPr/>
+        <p:txBody>
+          <a:bodyPr/>
+          <a:lstStyle/>
+          <a:p>
+            <a:r>
+              <a:rPr lang="ko-KR" altLang="en-US" dirty="0"/>
+              <a:t>더 추가할 사안</a:t>
+            </a:r>
+          </a:p>
+        </p:txBody>
+      </p:sp>
+      <p:sp>
+        <p:nvSpPr>
+          <p:cNvPr id="3" name="내용 개체 틀 2">
+            <a:extLst>
+              <a:ext uri="{FF2B5EF4-FFF2-40B4-BE49-F238E27FC236}">
+                <a16:creationId xmlns:a16="http://schemas.microsoft.com/office/drawing/2014/main" id="{44E4EEA1-A405-7BA7-3206-1B3055264830}"/>
+              </a:ext>
+            </a:extLst>
+          </p:cNvPr>
+          <p:cNvSpPr>
+            <a:spLocks noGrp="1"/>
+          </p:cNvSpPr>
+          <p:nvPr>
+            <p:ph idx="1"/>
+          </p:nvPr>
+        </p:nvSpPr>
+        <p:spPr/>
+        <p:txBody>
+          <a:bodyPr>
+            <a:normAutofit lnSpcReduction="10000"/>
+          </a:bodyPr>
+          <a:lstStyle/>
+          <a:p>
+            <a:r>
+              <a:rPr lang="ko-KR" altLang="en-US" dirty="0"/>
+              <a:t>장소의 정확한 표기</a:t>
+            </a:r>
+            <a:endParaRPr lang="en-US" altLang="ko-KR" dirty="0"/>
+          </a:p>
+          <a:p>
+            <a:r>
+              <a:rPr lang="ko-KR" altLang="en-US" dirty="0"/>
+              <a:t>부정확한 장소</a:t>
+            </a:r>
+            <a:r>
+              <a:rPr lang="en-US" altLang="ko-KR" dirty="0"/>
+              <a:t>,</a:t>
+            </a:r>
+            <a:r>
+              <a:rPr lang="ko-KR" altLang="en-US" dirty="0"/>
+              <a:t>이동수단을 </a:t>
+            </a:r>
+            <a:r>
+              <a:rPr lang="ko-KR" altLang="en-US" dirty="0" err="1"/>
+              <a:t>입력받았을</a:t>
+            </a:r>
+            <a:r>
+              <a:rPr lang="ko-KR" altLang="en-US" dirty="0"/>
+              <a:t> 때에도 비슷한 값 출력</a:t>
+            </a:r>
+            <a:endParaRPr lang="en-US" altLang="ko-KR" dirty="0"/>
+          </a:p>
+          <a:p>
+            <a:r>
+              <a:rPr lang="ko-KR" altLang="en-US" dirty="0"/>
+              <a:t>데이터를 추가하기 쉽게 코딩하기</a:t>
+            </a:r>
+            <a:endParaRPr lang="en-US" altLang="ko-KR" dirty="0"/>
+          </a:p>
+          <a:p>
+            <a:r>
+              <a:rPr lang="ko-KR" altLang="en-US" dirty="0"/>
+              <a:t>비슷한 데이터 제거하기</a:t>
+            </a:r>
+            <a:endParaRPr lang="en-US" altLang="ko-KR" dirty="0"/>
+          </a:p>
+          <a:p>
+            <a:pPr marL="0" indent="0">
+              <a:buNone/>
+            </a:pPr>
+            <a:r>
+              <a:rPr lang="en-US" altLang="ko-KR" dirty="0"/>
+              <a:t>	</a:t>
+            </a:r>
+            <a:r>
+              <a:rPr lang="ko-KR" altLang="en-US" dirty="0"/>
+              <a:t>해보고 싶은 사안</a:t>
+            </a:r>
+            <a:endParaRPr lang="en-US" altLang="ko-KR" dirty="0"/>
+          </a:p>
+          <a:p>
+            <a:r>
+              <a:rPr lang="ko-KR" altLang="en-US" dirty="0"/>
+              <a:t>가능하다면 취향에 맞는 음식 추천</a:t>
+            </a:r>
+            <a:endParaRPr lang="en-US" altLang="ko-KR" dirty="0"/>
+          </a:p>
+          <a:p>
+            <a:r>
+              <a:rPr lang="ko-KR" altLang="en-US" dirty="0"/>
+              <a:t>가능하다면 마지막에 골랐던 음식 데이터를 통해 취향 파악하기</a:t>
+            </a:r>
+            <a:endParaRPr lang="en-US" altLang="ko-KR" dirty="0"/>
+          </a:p>
+          <a:p>
+            <a:r>
+              <a:rPr lang="ko-KR" altLang="en-US" dirty="0"/>
+              <a:t>가능하다면 사용하기 편한 어플로 만들기</a:t>
+            </a:r>
+            <a:endParaRPr lang="en-US" altLang="ko-KR" dirty="0"/>
+          </a:p>
+          <a:p>
+            <a:pPr marL="0" indent="0">
+              <a:buNone/>
+            </a:pPr>
+            <a:endParaRPr lang="ko-KR" altLang="en-US" dirty="0"/>
+          </a:p>
+        </p:txBody>
+      </p:sp>
+    </p:spTree>
+    <p:extLst>
+      <p:ext uri="{BB962C8B-B14F-4D97-AF65-F5344CB8AC3E}">
+        <p14:creationId xmlns:p14="http://schemas.microsoft.com/office/powerpoint/2010/main" val="242545731"/>
       </p:ext>
     </p:extLst>
   </p:cSld>
